--- a/アイコン.pptx
+++ b/アイコン.pptx
@@ -105,6 +105,11 @@
       </a:defRPr>
     </a:lvl9pPr>
   </p:defaultTextStyle>
+  <p:extLst>
+    <p:ext uri="{EFAFB233-063F-42B5-8137-9DF3F51BA10A}">
+      <p15:sldGuideLst xmlns:p15="http://schemas.microsoft.com/office/powerpoint/2012/main"/>
+    </p:ext>
+  </p:extLst>
 </p:presentation>
 </file>
 
@@ -255,7 +260,7 @@
           <a:p>
             <a:fld id="{0851A2E3-DDB2-8B44-BE19-62C088677DB7}" type="datetimeFigureOut">
               <a:rPr kumimoji="1" lang="ja-JP" altLang="en-US" smtClean="0"/>
-              <a:t>2021/7/13</a:t>
+              <a:t>2021/11/22</a:t>
             </a:fld>
             <a:endParaRPr kumimoji="1" lang="ja-JP" altLang="en-US"/>
           </a:p>
@@ -485,7 +490,7 @@
           <a:p>
             <a:fld id="{0851A2E3-DDB2-8B44-BE19-62C088677DB7}" type="datetimeFigureOut">
               <a:rPr kumimoji="1" lang="ja-JP" altLang="en-US" smtClean="0"/>
-              <a:t>2021/7/13</a:t>
+              <a:t>2021/11/22</a:t>
             </a:fld>
             <a:endParaRPr kumimoji="1" lang="ja-JP" altLang="en-US"/>
           </a:p>
@@ -725,7 +730,7 @@
           <a:p>
             <a:fld id="{0851A2E3-DDB2-8B44-BE19-62C088677DB7}" type="datetimeFigureOut">
               <a:rPr kumimoji="1" lang="ja-JP" altLang="en-US" smtClean="0"/>
-              <a:t>2021/7/13</a:t>
+              <a:t>2021/11/22</a:t>
             </a:fld>
             <a:endParaRPr kumimoji="1" lang="ja-JP" altLang="en-US"/>
           </a:p>
@@ -955,7 +960,7 @@
           <a:p>
             <a:fld id="{0851A2E3-DDB2-8B44-BE19-62C088677DB7}" type="datetimeFigureOut">
               <a:rPr kumimoji="1" lang="ja-JP" altLang="en-US" smtClean="0"/>
-              <a:t>2021/7/13</a:t>
+              <a:t>2021/11/22</a:t>
             </a:fld>
             <a:endParaRPr kumimoji="1" lang="ja-JP" altLang="en-US"/>
           </a:p>
@@ -1230,7 +1235,7 @@
           <a:p>
             <a:fld id="{0851A2E3-DDB2-8B44-BE19-62C088677DB7}" type="datetimeFigureOut">
               <a:rPr kumimoji="1" lang="ja-JP" altLang="en-US" smtClean="0"/>
-              <a:t>2021/7/13</a:t>
+              <a:t>2021/11/22</a:t>
             </a:fld>
             <a:endParaRPr kumimoji="1" lang="ja-JP" altLang="en-US"/>
           </a:p>
@@ -1559,7 +1564,7 @@
           <a:p>
             <a:fld id="{0851A2E3-DDB2-8B44-BE19-62C088677DB7}" type="datetimeFigureOut">
               <a:rPr kumimoji="1" lang="ja-JP" altLang="en-US" smtClean="0"/>
-              <a:t>2021/7/13</a:t>
+              <a:t>2021/11/22</a:t>
             </a:fld>
             <a:endParaRPr kumimoji="1" lang="ja-JP" altLang="en-US"/>
           </a:p>
@@ -2035,7 +2040,7 @@
           <a:p>
             <a:fld id="{0851A2E3-DDB2-8B44-BE19-62C088677DB7}" type="datetimeFigureOut">
               <a:rPr kumimoji="1" lang="ja-JP" altLang="en-US" smtClean="0"/>
-              <a:t>2021/7/13</a:t>
+              <a:t>2021/11/22</a:t>
             </a:fld>
             <a:endParaRPr kumimoji="1" lang="ja-JP" altLang="en-US"/>
           </a:p>
@@ -2176,7 +2181,7 @@
           <a:p>
             <a:fld id="{0851A2E3-DDB2-8B44-BE19-62C088677DB7}" type="datetimeFigureOut">
               <a:rPr kumimoji="1" lang="ja-JP" altLang="en-US" smtClean="0"/>
-              <a:t>2021/7/13</a:t>
+              <a:t>2021/11/22</a:t>
             </a:fld>
             <a:endParaRPr kumimoji="1" lang="ja-JP" altLang="en-US"/>
           </a:p>
@@ -2289,7 +2294,7 @@
           <a:p>
             <a:fld id="{0851A2E3-DDB2-8B44-BE19-62C088677DB7}" type="datetimeFigureOut">
               <a:rPr kumimoji="1" lang="ja-JP" altLang="en-US" smtClean="0"/>
-              <a:t>2021/7/13</a:t>
+              <a:t>2021/11/22</a:t>
             </a:fld>
             <a:endParaRPr kumimoji="1" lang="ja-JP" altLang="en-US"/>
           </a:p>
@@ -2632,7 +2637,7 @@
           <a:p>
             <a:fld id="{0851A2E3-DDB2-8B44-BE19-62C088677DB7}" type="datetimeFigureOut">
               <a:rPr kumimoji="1" lang="ja-JP" altLang="en-US" smtClean="0"/>
-              <a:t>2021/7/13</a:t>
+              <a:t>2021/11/22</a:t>
             </a:fld>
             <a:endParaRPr kumimoji="1" lang="ja-JP" altLang="en-US"/>
           </a:p>
@@ -2920,7 +2925,7 @@
           <a:p>
             <a:fld id="{0851A2E3-DDB2-8B44-BE19-62C088677DB7}" type="datetimeFigureOut">
               <a:rPr kumimoji="1" lang="ja-JP" altLang="en-US" smtClean="0"/>
-              <a:t>2021/7/13</a:t>
+              <a:t>2021/11/22</a:t>
             </a:fld>
             <a:endParaRPr kumimoji="1" lang="ja-JP" altLang="en-US"/>
           </a:p>
@@ -3193,7 +3198,7 @@
           <a:p>
             <a:fld id="{0851A2E3-DDB2-8B44-BE19-62C088677DB7}" type="datetimeFigureOut">
               <a:rPr kumimoji="1" lang="ja-JP" altLang="en-US" smtClean="0"/>
-              <a:t>2021/7/13</a:t>
+              <a:t>2021/11/22</a:t>
             </a:fld>
             <a:endParaRPr kumimoji="1" lang="ja-JP" altLang="en-US"/>
           </a:p>
@@ -3612,6 +3617,52 @@
       </p:grpSpPr>
       <p:sp>
         <p:nvSpPr>
+          <p:cNvPr id="4" name="正方形/長方形 3">
+            <a:extLst>
+              <a:ext uri="{FF2B5EF4-FFF2-40B4-BE49-F238E27FC236}">
+                <a16:creationId xmlns:a16="http://schemas.microsoft.com/office/drawing/2014/main" id="{4546BAC1-E193-5244-8B68-91B6B6DF3FC8}"/>
+              </a:ext>
+            </a:extLst>
+          </p:cNvPr>
+          <p:cNvSpPr/>
+          <p:nvPr/>
+        </p:nvSpPr>
+        <p:spPr>
+          <a:xfrm>
+            <a:off x="2427890" y="147145"/>
+            <a:ext cx="7535917" cy="6884276"/>
+          </a:xfrm>
+          <a:prstGeom prst="rect">
+            <a:avLst/>
+          </a:prstGeom>
+        </p:spPr>
+        <p:style>
+          <a:lnRef idx="2">
+            <a:schemeClr val="dk1">
+              <a:shade val="50000"/>
+            </a:schemeClr>
+          </a:lnRef>
+          <a:fillRef idx="1">
+            <a:schemeClr val="dk1"/>
+          </a:fillRef>
+          <a:effectRef idx="0">
+            <a:schemeClr val="dk1"/>
+          </a:effectRef>
+          <a:fontRef idx="minor">
+            <a:schemeClr val="lt1"/>
+          </a:fontRef>
+        </p:style>
+        <p:txBody>
+          <a:bodyPr rtlCol="0" anchor="ctr"/>
+          <a:lstStyle/>
+          <a:p>
+            <a:pPr algn="ctr"/>
+            <a:endParaRPr kumimoji="1" lang="ja-JP" altLang="en-US"/>
+          </a:p>
+        </p:txBody>
+      </p:sp>
+      <p:sp>
+        <p:nvSpPr>
           <p:cNvPr id="2" name="角丸四角形 1">
             <a:extLst>
               <a:ext uri="{FF2B5EF4-FFF2-40B4-BE49-F238E27FC236}">
@@ -3633,7 +3684,7 @@
             </a:avLst>
           </a:prstGeom>
           <a:solidFill>
-            <a:srgbClr val="FEF7DC"/>
+            <a:schemeClr val="bg1"/>
           </a:solidFill>
           <a:ln>
             <a:solidFill>
@@ -3689,7 +3740,7 @@
           <a:noFill/>
           <a:ln w="304800">
             <a:solidFill>
-              <a:srgbClr val="A19882"/>
+              <a:srgbClr val="2E4C6D"/>
             </a:solidFill>
           </a:ln>
         </p:spPr>

--- a/アイコン.pptx
+++ b/アイコン.pptx
@@ -7,6 +7,7 @@
   <p:sldIdLst>
     <p:sldId id="258" r:id="rId2"/>
     <p:sldId id="259" r:id="rId3"/>
+    <p:sldId id="260" r:id="rId4"/>
   </p:sldIdLst>
   <p:sldSz cx="12192000" cy="6858000"/>
   <p:notesSz cx="6858000" cy="9144000"/>
@@ -3944,7 +3945,7 @@
     <p:bg>
       <p:bgPr>
         <a:solidFill>
-          <a:srgbClr val="A19882"/>
+          <a:srgbClr val="2E4C6D"/>
         </a:solidFill>
         <a:effectLst/>
       </p:bgPr>
@@ -3984,11 +3985,11 @@
             <a:avLst/>
           </a:prstGeom>
           <a:solidFill>
-            <a:srgbClr val="FEF7DC"/>
+            <a:schemeClr val="bg1"/>
           </a:solidFill>
           <a:ln w="508000">
             <a:solidFill>
-              <a:srgbClr val="A19882"/>
+              <a:srgbClr val="2E4C6D"/>
             </a:solidFill>
           </a:ln>
         </p:spPr>
@@ -4183,6 +4184,252 @@
     <p:extLst>
       <p:ext uri="{BB962C8B-B14F-4D97-AF65-F5344CB8AC3E}">
         <p14:creationId xmlns:p14="http://schemas.microsoft.com/office/powerpoint/2010/main" val="3583044299"/>
+      </p:ext>
+    </p:extLst>
+  </p:cSld>
+  <p:clrMapOvr>
+    <a:masterClrMapping/>
+  </p:clrMapOvr>
+</p:sld>
+</file>
+
+<file path=ppt/slides/slide3.xml><?xml version="1.0" encoding="utf-8"?>
+<p:sld xmlns:a="http://schemas.openxmlformats.org/drawingml/2006/main" xmlns:r="http://schemas.openxmlformats.org/officeDocument/2006/relationships" xmlns:p="http://schemas.openxmlformats.org/presentationml/2006/main">
+  <p:cSld>
+    <p:spTree>
+      <p:nvGrpSpPr>
+        <p:cNvPr id="1" name=""/>
+        <p:cNvGrpSpPr/>
+        <p:nvPr/>
+      </p:nvGrpSpPr>
+      <p:grpSpPr>
+        <a:xfrm>
+          <a:off x="0" y="0"/>
+          <a:ext cx="0" cy="0"/>
+          <a:chOff x="0" y="0"/>
+          <a:chExt cx="0" cy="0"/>
+        </a:xfrm>
+      </p:grpSpPr>
+      <p:sp>
+        <p:nvSpPr>
+          <p:cNvPr id="2" name="角丸四角形 1">
+            <a:extLst>
+              <a:ext uri="{FF2B5EF4-FFF2-40B4-BE49-F238E27FC236}">
+                <a16:creationId xmlns:a16="http://schemas.microsoft.com/office/drawing/2014/main" id="{CB467D92-4F82-5045-A638-A2AFCC33ED98}"/>
+              </a:ext>
+            </a:extLst>
+          </p:cNvPr>
+          <p:cNvSpPr/>
+          <p:nvPr/>
+        </p:nvSpPr>
+        <p:spPr>
+          <a:xfrm>
+            <a:off x="3183466" y="520700"/>
+            <a:ext cx="5825067" cy="5816600"/>
+          </a:xfrm>
+          <a:prstGeom prst="roundRect">
+            <a:avLst/>
+          </a:prstGeom>
+          <a:solidFill>
+            <a:schemeClr val="bg1"/>
+          </a:solidFill>
+          <a:ln w="508000">
+            <a:solidFill>
+              <a:srgbClr val="2E4C6D"/>
+            </a:solidFill>
+          </a:ln>
+        </p:spPr>
+        <p:style>
+          <a:lnRef idx="2">
+            <a:schemeClr val="accent1">
+              <a:shade val="50000"/>
+            </a:schemeClr>
+          </a:lnRef>
+          <a:fillRef idx="1">
+            <a:schemeClr val="accent1"/>
+          </a:fillRef>
+          <a:effectRef idx="0">
+            <a:schemeClr val="accent1"/>
+          </a:effectRef>
+          <a:fontRef idx="minor">
+            <a:schemeClr val="lt1"/>
+          </a:fontRef>
+        </p:style>
+        <p:txBody>
+          <a:bodyPr rtlCol="0" anchor="ctr"/>
+          <a:lstStyle/>
+          <a:p>
+            <a:pPr algn="ctr"/>
+            <a:endParaRPr kumimoji="1" lang="ja-JP" altLang="en-US"/>
+          </a:p>
+        </p:txBody>
+      </p:sp>
+      <p:sp>
+        <p:nvSpPr>
+          <p:cNvPr id="3" name="角丸四角形 2">
+            <a:extLst>
+              <a:ext uri="{FF2B5EF4-FFF2-40B4-BE49-F238E27FC236}">
+                <a16:creationId xmlns:a16="http://schemas.microsoft.com/office/drawing/2014/main" id="{AC10910E-3186-9944-AFEB-DE3A470893B3}"/>
+              </a:ext>
+            </a:extLst>
+          </p:cNvPr>
+          <p:cNvSpPr/>
+          <p:nvPr/>
+        </p:nvSpPr>
+        <p:spPr>
+          <a:xfrm>
+            <a:off x="4004731" y="1781296"/>
+            <a:ext cx="4182533" cy="367817"/>
+          </a:xfrm>
+          <a:prstGeom prst="roundRect">
+            <a:avLst>
+              <a:gd name="adj" fmla="val 11579"/>
+            </a:avLst>
+          </a:prstGeom>
+          <a:noFill/>
+          <a:ln w="635000">
+            <a:solidFill>
+              <a:srgbClr val="F38BA0"/>
+            </a:solidFill>
+          </a:ln>
+        </p:spPr>
+        <p:style>
+          <a:lnRef idx="2">
+            <a:schemeClr val="accent1">
+              <a:shade val="50000"/>
+            </a:schemeClr>
+          </a:lnRef>
+          <a:fillRef idx="1">
+            <a:schemeClr val="accent1"/>
+          </a:fillRef>
+          <a:effectRef idx="0">
+            <a:schemeClr val="accent1"/>
+          </a:effectRef>
+          <a:fontRef idx="minor">
+            <a:schemeClr val="lt1"/>
+          </a:fontRef>
+        </p:style>
+        <p:txBody>
+          <a:bodyPr rtlCol="0" anchor="ctr"/>
+          <a:lstStyle/>
+          <a:p>
+            <a:pPr algn="ctr"/>
+            <a:endParaRPr kumimoji="1" lang="ja-JP" altLang="en-US"/>
+          </a:p>
+        </p:txBody>
+      </p:sp>
+      <p:sp>
+        <p:nvSpPr>
+          <p:cNvPr id="4" name="角丸四角形 3">
+            <a:extLst>
+              <a:ext uri="{FF2B5EF4-FFF2-40B4-BE49-F238E27FC236}">
+                <a16:creationId xmlns:a16="http://schemas.microsoft.com/office/drawing/2014/main" id="{111D83B2-9E11-804D-9FC7-9EBCA187D33C}"/>
+              </a:ext>
+            </a:extLst>
+          </p:cNvPr>
+          <p:cNvSpPr/>
+          <p:nvPr/>
+        </p:nvSpPr>
+        <p:spPr>
+          <a:xfrm>
+            <a:off x="4004731" y="4708886"/>
+            <a:ext cx="4182533" cy="367817"/>
+          </a:xfrm>
+          <a:prstGeom prst="roundRect">
+            <a:avLst>
+              <a:gd name="adj" fmla="val 11579"/>
+            </a:avLst>
+          </a:prstGeom>
+          <a:noFill/>
+          <a:ln w="635000">
+            <a:solidFill>
+              <a:srgbClr val="B5EAEA"/>
+            </a:solidFill>
+          </a:ln>
+        </p:spPr>
+        <p:style>
+          <a:lnRef idx="2">
+            <a:schemeClr val="accent1">
+              <a:shade val="50000"/>
+            </a:schemeClr>
+          </a:lnRef>
+          <a:fillRef idx="1">
+            <a:schemeClr val="accent1"/>
+          </a:fillRef>
+          <a:effectRef idx="0">
+            <a:schemeClr val="accent1"/>
+          </a:effectRef>
+          <a:fontRef idx="minor">
+            <a:schemeClr val="lt1"/>
+          </a:fontRef>
+        </p:style>
+        <p:txBody>
+          <a:bodyPr rtlCol="0" anchor="ctr"/>
+          <a:lstStyle/>
+          <a:p>
+            <a:pPr algn="ctr"/>
+            <a:endParaRPr kumimoji="1" lang="ja-JP" altLang="en-US"/>
+          </a:p>
+        </p:txBody>
+      </p:sp>
+      <p:sp>
+        <p:nvSpPr>
+          <p:cNvPr id="5" name="角丸四角形 4">
+            <a:extLst>
+              <a:ext uri="{FF2B5EF4-FFF2-40B4-BE49-F238E27FC236}">
+                <a16:creationId xmlns:a16="http://schemas.microsoft.com/office/drawing/2014/main" id="{82D2F5D6-E439-B14F-8E7F-54E05B86C401}"/>
+              </a:ext>
+            </a:extLst>
+          </p:cNvPr>
+          <p:cNvSpPr/>
+          <p:nvPr/>
+        </p:nvSpPr>
+        <p:spPr>
+          <a:xfrm>
+            <a:off x="4004731" y="3245091"/>
+            <a:ext cx="4182533" cy="367817"/>
+          </a:xfrm>
+          <a:prstGeom prst="roundRect">
+            <a:avLst>
+              <a:gd name="adj" fmla="val 11579"/>
+            </a:avLst>
+          </a:prstGeom>
+          <a:noFill/>
+          <a:ln w="635000">
+            <a:solidFill>
+              <a:srgbClr val="FFBCBC"/>
+            </a:solidFill>
+          </a:ln>
+        </p:spPr>
+        <p:style>
+          <a:lnRef idx="2">
+            <a:schemeClr val="accent1">
+              <a:shade val="50000"/>
+            </a:schemeClr>
+          </a:lnRef>
+          <a:fillRef idx="1">
+            <a:schemeClr val="accent1"/>
+          </a:fillRef>
+          <a:effectRef idx="0">
+            <a:schemeClr val="accent1"/>
+          </a:effectRef>
+          <a:fontRef idx="minor">
+            <a:schemeClr val="lt1"/>
+          </a:fontRef>
+        </p:style>
+        <p:txBody>
+          <a:bodyPr rtlCol="0" anchor="ctr"/>
+          <a:lstStyle/>
+          <a:p>
+            <a:pPr algn="ctr"/>
+            <a:endParaRPr kumimoji="1" lang="ja-JP" altLang="en-US"/>
+          </a:p>
+        </p:txBody>
+      </p:sp>
+    </p:spTree>
+    <p:extLst>
+      <p:ext uri="{BB962C8B-B14F-4D97-AF65-F5344CB8AC3E}">
+        <p14:creationId xmlns:p14="http://schemas.microsoft.com/office/powerpoint/2010/main" val="550601964"/>
       </p:ext>
     </p:extLst>
   </p:cSld>
